--- a/Daily Agendas/Day06.1 - ElementSymbols.pptx
+++ b/Daily Agendas/Day06.1 - ElementSymbols.pptx
@@ -243,7 +243,7 @@
           <a:p>
             <a:fld id="{69DBCF37-83FE-4516-BE5A-9F53FA57CCFA}" type="datetimeFigureOut">
               <a:rPr lang="en-US" smtClean="0"/>
-              <a:t>3/4/2020</a:t>
+              <a:t>3/9/2020</a:t>
             </a:fld>
             <a:endParaRPr lang="en-US"/>
           </a:p>
@@ -413,7 +413,7 @@
           <a:p>
             <a:fld id="{69DBCF37-83FE-4516-BE5A-9F53FA57CCFA}" type="datetimeFigureOut">
               <a:rPr lang="en-US" smtClean="0"/>
-              <a:t>3/4/2020</a:t>
+              <a:t>3/9/2020</a:t>
             </a:fld>
             <a:endParaRPr lang="en-US"/>
           </a:p>
@@ -593,7 +593,7 @@
           <a:p>
             <a:fld id="{69DBCF37-83FE-4516-BE5A-9F53FA57CCFA}" type="datetimeFigureOut">
               <a:rPr lang="en-US" smtClean="0"/>
-              <a:t>3/4/2020</a:t>
+              <a:t>3/9/2020</a:t>
             </a:fld>
             <a:endParaRPr lang="en-US"/>
           </a:p>
@@ -763,7 +763,7 @@
           <a:p>
             <a:fld id="{69DBCF37-83FE-4516-BE5A-9F53FA57CCFA}" type="datetimeFigureOut">
               <a:rPr lang="en-US" smtClean="0"/>
-              <a:t>3/4/2020</a:t>
+              <a:t>3/9/2020</a:t>
             </a:fld>
             <a:endParaRPr lang="en-US"/>
           </a:p>
@@ -1007,7 +1007,7 @@
           <a:p>
             <a:fld id="{69DBCF37-83FE-4516-BE5A-9F53FA57CCFA}" type="datetimeFigureOut">
               <a:rPr lang="en-US" smtClean="0"/>
-              <a:t>3/4/2020</a:t>
+              <a:t>3/9/2020</a:t>
             </a:fld>
             <a:endParaRPr lang="en-US"/>
           </a:p>
@@ -1239,7 +1239,7 @@
           <a:p>
             <a:fld id="{69DBCF37-83FE-4516-BE5A-9F53FA57CCFA}" type="datetimeFigureOut">
               <a:rPr lang="en-US" smtClean="0"/>
-              <a:t>3/4/2020</a:t>
+              <a:t>3/9/2020</a:t>
             </a:fld>
             <a:endParaRPr lang="en-US"/>
           </a:p>
@@ -1606,7 +1606,7 @@
           <a:p>
             <a:fld id="{69DBCF37-83FE-4516-BE5A-9F53FA57CCFA}" type="datetimeFigureOut">
               <a:rPr lang="en-US" smtClean="0"/>
-              <a:t>3/4/2020</a:t>
+              <a:t>3/9/2020</a:t>
             </a:fld>
             <a:endParaRPr lang="en-US"/>
           </a:p>
@@ -1724,7 +1724,7 @@
           <a:p>
             <a:fld id="{69DBCF37-83FE-4516-BE5A-9F53FA57CCFA}" type="datetimeFigureOut">
               <a:rPr lang="en-US" smtClean="0"/>
-              <a:t>3/4/2020</a:t>
+              <a:t>3/9/2020</a:t>
             </a:fld>
             <a:endParaRPr lang="en-US"/>
           </a:p>
@@ -1819,7 +1819,7 @@
           <a:p>
             <a:fld id="{69DBCF37-83FE-4516-BE5A-9F53FA57CCFA}" type="datetimeFigureOut">
               <a:rPr lang="en-US" smtClean="0"/>
-              <a:t>3/4/2020</a:t>
+              <a:t>3/9/2020</a:t>
             </a:fld>
             <a:endParaRPr lang="en-US"/>
           </a:p>
@@ -2096,7 +2096,7 @@
           <a:p>
             <a:fld id="{69DBCF37-83FE-4516-BE5A-9F53FA57CCFA}" type="datetimeFigureOut">
               <a:rPr lang="en-US" smtClean="0"/>
-              <a:t>3/4/2020</a:t>
+              <a:t>3/9/2020</a:t>
             </a:fld>
             <a:endParaRPr lang="en-US"/>
           </a:p>
@@ -2353,7 +2353,7 @@
           <a:p>
             <a:fld id="{69DBCF37-83FE-4516-BE5A-9F53FA57CCFA}" type="datetimeFigureOut">
               <a:rPr lang="en-US" smtClean="0"/>
-              <a:t>3/4/2020</a:t>
+              <a:t>3/9/2020</a:t>
             </a:fld>
             <a:endParaRPr lang="en-US"/>
           </a:p>
@@ -2566,7 +2566,7 @@
           <a:p>
             <a:fld id="{69DBCF37-83FE-4516-BE5A-9F53FA57CCFA}" type="datetimeFigureOut">
               <a:rPr lang="en-US" smtClean="0"/>
-              <a:t>3/4/2020</a:t>
+              <a:t>3/9/2020</a:t>
             </a:fld>
             <a:endParaRPr lang="en-US"/>
           </a:p>
@@ -2991,15 +2991,11 @@
             <a:pPr algn="ctr"/>
             <a:r>
               <a:rPr lang="en-CA" dirty="0" smtClean="0"/>
-              <a:t>Element Symbols – </a:t>
+              <a:t>Element Symbols – Mar </a:t>
             </a:r>
             <a:r>
               <a:rPr lang="en-CA" dirty="0" smtClean="0"/>
-              <a:t>Mar </a:t>
-            </a:r>
-            <a:r>
-              <a:rPr lang="en-CA" dirty="0" smtClean="0"/>
-              <a:t>07</a:t>
+              <a:t>09</a:t>
             </a:r>
             <a:r>
               <a:rPr lang="en-CA" dirty="0"/>
@@ -3010,7 +3006,11 @@
             </a:br>
             <a:r>
               <a:rPr lang="en-CA" sz="3600" dirty="0" smtClean="0"/>
-              <a:t>(First 20 Elements - Day 03)</a:t>
+              <a:t>(First 20 Elements - Day </a:t>
+            </a:r>
+            <a:r>
+              <a:rPr lang="en-CA" sz="3600" dirty="0" smtClean="0"/>
+              <a:t>04)</a:t>
             </a:r>
             <a:endParaRPr lang="en-US" sz="3600" dirty="0"/>
           </a:p>
@@ -3029,7 +3029,7 @@
         <p:spPr/>
         <p:txBody>
           <a:bodyPr>
-            <a:normAutofit fontScale="92500" lnSpcReduction="10000"/>
+            <a:normAutofit lnSpcReduction="10000"/>
           </a:bodyPr>
           <a:lstStyle/>
           <a:p>
@@ -3042,22 +3042,26 @@
             <a:pPr lvl="1"/>
             <a:r>
               <a:rPr lang="en-CA" dirty="0" smtClean="0"/>
-              <a:t>Shoe #1 – Can Crush</a:t>
+              <a:t>SHOE #2 </a:t>
+            </a:r>
+            <a:r>
+              <a:rPr lang="en-CA" dirty="0" smtClean="0"/>
+              <a:t>– Can Crush</a:t>
             </a:r>
           </a:p>
           <a:p>
             <a:pPr lvl="2"/>
             <a:r>
-              <a:rPr lang="en-CA" smtClean="0"/>
-              <a:t>fsdfsd</a:t>
-            </a:r>
-            <a:endParaRPr lang="en-CA" smtClean="0"/>
+              <a:rPr lang="en-CA" dirty="0" smtClean="0"/>
+              <a:t>Observe &amp; Explain The Demo</a:t>
+            </a:r>
+            <a:endParaRPr lang="en-CA" dirty="0" smtClean="0"/>
           </a:p>
           <a:p>
             <a:pPr lvl="1"/>
             <a:r>
               <a:rPr lang="en-CA" dirty="0" smtClean="0"/>
-              <a:t>Classification of Matter</a:t>
+              <a:t>First 20 Elements</a:t>
             </a:r>
             <a:endParaRPr lang="en-CA" dirty="0" smtClean="0"/>
           </a:p>
@@ -3065,14 +3069,23 @@
             <a:pPr lvl="2"/>
             <a:r>
               <a:rPr lang="en-CA" sz="2400" dirty="0" smtClean="0"/>
-              <a:t>Note: Classification Decision Tree</a:t>
-            </a:r>
+              <a:t>Presentation: First 20 Part 1</a:t>
+            </a:r>
+            <a:endParaRPr lang="en-CA" sz="2400" dirty="0" smtClean="0"/>
           </a:p>
           <a:p>
             <a:pPr lvl="2"/>
             <a:r>
               <a:rPr lang="en-CA" sz="2400" dirty="0" smtClean="0"/>
-              <a:t>Minds-On: Bag of Air Activity</a:t>
+              <a:t>Worksheet</a:t>
+            </a:r>
+            <a:r>
+              <a:rPr lang="en-CA" sz="2400" dirty="0" smtClean="0"/>
+              <a:t>: </a:t>
+            </a:r>
+            <a:r>
+              <a:rPr lang="en-CA" sz="2400" dirty="0" smtClean="0"/>
+              <a:t>First 20 Elements</a:t>
             </a:r>
             <a:endParaRPr lang="en-CA" sz="2400" dirty="0" smtClean="0"/>
           </a:p>
@@ -3080,14 +3093,7 @@
             <a:pPr lvl="2"/>
             <a:r>
               <a:rPr lang="en-CA" sz="2400" dirty="0" smtClean="0"/>
-              <a:t>Worksheet: Classifying Matter Worksheet</a:t>
-            </a:r>
-          </a:p>
-          <a:p>
-            <a:pPr lvl="2"/>
-            <a:r>
-              <a:rPr lang="en-CA" sz="2400" dirty="0" smtClean="0"/>
-              <a:t>Worksheet: Types of Matter </a:t>
+              <a:t>Video: Hunting The Elements</a:t>
             </a:r>
             <a:endParaRPr lang="en-CA" sz="2400" dirty="0" smtClean="0"/>
           </a:p>
@@ -3115,7 +3121,7 @@
             </a:r>
             <a:r>
               <a:rPr lang="en-CA" dirty="0" smtClean="0"/>
-              <a:t>Reading the Periodic Table</a:t>
+              <a:t>First 20 Part 2</a:t>
             </a:r>
             <a:endParaRPr lang="en-CA" dirty="0" smtClean="0"/>
           </a:p>
